--- a/Memoria_pres.pptx
+++ b/Memoria_pres.pptx
@@ -144,6 +144,9 @@
         </p14:section>
       </p14:sectionLst>
     </p:ext>
+    <p:ext uri="{EFAFB233-063F-42B5-8137-9DF3F51BA10A}">
+      <p15:sldGuideLst xmlns:p15="http://schemas.microsoft.com/office/powerpoint/2012/main"/>
+    </p:ext>
   </p:extLst>
 </p:presentation>
 </file>
@@ -297,7 +300,7 @@
           <a:p>
             <a:fld id="{73A294DA-5B1F-406C-B1D4-C938C7055EF9}" type="datetimeFigureOut">
               <a:rPr lang="es-ES" smtClean="0"/>
-              <a:t>19/11/2022</a:t>
+              <a:t>20/11/2022</a:t>
             </a:fld>
             <a:endParaRPr lang="es-ES"/>
           </a:p>
@@ -497,7 +500,7 @@
           <a:p>
             <a:fld id="{73A294DA-5B1F-406C-B1D4-C938C7055EF9}" type="datetimeFigureOut">
               <a:rPr lang="es-ES" smtClean="0"/>
-              <a:t>19/11/2022</a:t>
+              <a:t>20/11/2022</a:t>
             </a:fld>
             <a:endParaRPr lang="es-ES"/>
           </a:p>
@@ -707,7 +710,7 @@
           <a:p>
             <a:fld id="{73A294DA-5B1F-406C-B1D4-C938C7055EF9}" type="datetimeFigureOut">
               <a:rPr lang="es-ES" smtClean="0"/>
-              <a:t>19/11/2022</a:t>
+              <a:t>20/11/2022</a:t>
             </a:fld>
             <a:endParaRPr lang="es-ES"/>
           </a:p>
@@ -907,7 +910,7 @@
           <a:p>
             <a:fld id="{73A294DA-5B1F-406C-B1D4-C938C7055EF9}" type="datetimeFigureOut">
               <a:rPr lang="es-ES" smtClean="0"/>
-              <a:t>19/11/2022</a:t>
+              <a:t>20/11/2022</a:t>
             </a:fld>
             <a:endParaRPr lang="es-ES"/>
           </a:p>
@@ -1183,7 +1186,7 @@
           <a:p>
             <a:fld id="{73A294DA-5B1F-406C-B1D4-C938C7055EF9}" type="datetimeFigureOut">
               <a:rPr lang="es-ES" smtClean="0"/>
-              <a:t>19/11/2022</a:t>
+              <a:t>20/11/2022</a:t>
             </a:fld>
             <a:endParaRPr lang="es-ES"/>
           </a:p>
@@ -1451,7 +1454,7 @@
           <a:p>
             <a:fld id="{73A294DA-5B1F-406C-B1D4-C938C7055EF9}" type="datetimeFigureOut">
               <a:rPr lang="es-ES" smtClean="0"/>
-              <a:t>19/11/2022</a:t>
+              <a:t>20/11/2022</a:t>
             </a:fld>
             <a:endParaRPr lang="es-ES"/>
           </a:p>
@@ -1866,7 +1869,7 @@
           <a:p>
             <a:fld id="{73A294DA-5B1F-406C-B1D4-C938C7055EF9}" type="datetimeFigureOut">
               <a:rPr lang="es-ES" smtClean="0"/>
-              <a:t>19/11/2022</a:t>
+              <a:t>20/11/2022</a:t>
             </a:fld>
             <a:endParaRPr lang="es-ES"/>
           </a:p>
@@ -2008,7 +2011,7 @@
           <a:p>
             <a:fld id="{73A294DA-5B1F-406C-B1D4-C938C7055EF9}" type="datetimeFigureOut">
               <a:rPr lang="es-ES" smtClean="0"/>
-              <a:t>19/11/2022</a:t>
+              <a:t>20/11/2022</a:t>
             </a:fld>
             <a:endParaRPr lang="es-ES"/>
           </a:p>
@@ -2121,7 +2124,7 @@
           <a:p>
             <a:fld id="{73A294DA-5B1F-406C-B1D4-C938C7055EF9}" type="datetimeFigureOut">
               <a:rPr lang="es-ES" smtClean="0"/>
-              <a:t>19/11/2022</a:t>
+              <a:t>20/11/2022</a:t>
             </a:fld>
             <a:endParaRPr lang="es-ES"/>
           </a:p>
@@ -2434,7 +2437,7 @@
           <a:p>
             <a:fld id="{73A294DA-5B1F-406C-B1D4-C938C7055EF9}" type="datetimeFigureOut">
               <a:rPr lang="es-ES" smtClean="0"/>
-              <a:t>19/11/2022</a:t>
+              <a:t>20/11/2022</a:t>
             </a:fld>
             <a:endParaRPr lang="es-ES"/>
           </a:p>
@@ -2723,7 +2726,7 @@
           <a:p>
             <a:fld id="{73A294DA-5B1F-406C-B1D4-C938C7055EF9}" type="datetimeFigureOut">
               <a:rPr lang="es-ES" smtClean="0"/>
-              <a:t>19/11/2022</a:t>
+              <a:t>20/11/2022</a:t>
             </a:fld>
             <a:endParaRPr lang="es-ES"/>
           </a:p>
@@ -2966,7 +2969,7 @@
           <a:p>
             <a:fld id="{73A294DA-5B1F-406C-B1D4-C938C7055EF9}" type="datetimeFigureOut">
               <a:rPr lang="es-ES" smtClean="0"/>
-              <a:t>19/11/2022</a:t>
+              <a:t>20/11/2022</a:t>
             </a:fld>
             <a:endParaRPr lang="es-ES"/>
           </a:p>
@@ -3657,7 +3660,7 @@
                 <a:latin typeface="Arial" panose="020B0604020202020204" pitchFamily="34" charset="0"/>
                 <a:cs typeface="Arial" panose="020B0604020202020204" pitchFamily="34" charset="0"/>
               </a:rPr>
-              <a:t>Gerard Carrera y Guillem Rochina</a:t>
+              <a:t>Gerard Alcalde y Guillem Rochina</a:t>
             </a:r>
             <a:endParaRPr lang="es-ES" sz="2000" dirty="0">
               <a:solidFill>
@@ -6339,7 +6342,7 @@
                   <a:srgbClr val="002060"/>
                 </a:solidFill>
               </a:rPr>
-              <a:t>Ofertas de alojamiento vacacional en las principales ciudades españolas: Principales indicadores y características</a:t>
+              <a:t>Ofertas de alojamiento vacacional en las principales ciudades españolas: Principales indicadores y características para un mejor posicionamiento.</a:t>
             </a:r>
           </a:p>
           <a:p>
